--- a/Kotlin/Slides/2-Type.pptx
+++ b/Kotlin/Slides/2-Type.pptx
@@ -134,6 +134,9 @@
         </p14:section>
       </p14:sectionLst>
     </p:ext>
+    <p:ext uri="{EFAFB233-063F-42B5-8137-9DF3F51BA10A}">
+      <p15:sldGuideLst xmlns:p15="http://schemas.microsoft.com/office/powerpoint/2012/main"/>
+    </p:ext>
   </p:extLst>
 </p:presentation>
 </file>
@@ -301,7 +304,7 @@
           <a:p>
             <a:fld id="{D0AF4A11-F739-4D74-8F30-05177898FDB2}" type="datetimeFigureOut">
               <a:rPr lang="en-US" smtClean="0"/>
-              <a:t>7/18/2023</a:t>
+              <a:t>7/20/2023</a:t>
             </a:fld>
             <a:endParaRPr lang="en-US"/>
           </a:p>
@@ -471,7 +474,7 @@
           <a:p>
             <a:fld id="{D0AF4A11-F739-4D74-8F30-05177898FDB2}" type="datetimeFigureOut">
               <a:rPr lang="en-US" smtClean="0"/>
-              <a:t>7/18/2023</a:t>
+              <a:t>7/20/2023</a:t>
             </a:fld>
             <a:endParaRPr lang="en-US"/>
           </a:p>
@@ -651,7 +654,7 @@
           <a:p>
             <a:fld id="{D0AF4A11-F739-4D74-8F30-05177898FDB2}" type="datetimeFigureOut">
               <a:rPr lang="en-US" smtClean="0"/>
-              <a:t>7/18/2023</a:t>
+              <a:t>7/20/2023</a:t>
             </a:fld>
             <a:endParaRPr lang="en-US"/>
           </a:p>
@@ -821,7 +824,7 @@
           <a:p>
             <a:fld id="{D0AF4A11-F739-4D74-8F30-05177898FDB2}" type="datetimeFigureOut">
               <a:rPr lang="en-US" smtClean="0"/>
-              <a:t>7/18/2023</a:t>
+              <a:t>7/20/2023</a:t>
             </a:fld>
             <a:endParaRPr lang="en-US"/>
           </a:p>
@@ -1089,7 +1092,7 @@
           <a:p>
             <a:fld id="{D0AF4A11-F739-4D74-8F30-05177898FDB2}" type="datetimeFigureOut">
               <a:rPr lang="en-US" smtClean="0"/>
-              <a:t>7/18/2023</a:t>
+              <a:t>7/20/2023</a:t>
             </a:fld>
             <a:endParaRPr lang="en-US"/>
           </a:p>
@@ -1321,7 +1324,7 @@
           <a:p>
             <a:fld id="{D0AF4A11-F739-4D74-8F30-05177898FDB2}" type="datetimeFigureOut">
               <a:rPr lang="en-US" smtClean="0"/>
-              <a:t>7/18/2023</a:t>
+              <a:t>7/20/2023</a:t>
             </a:fld>
             <a:endParaRPr lang="en-US"/>
           </a:p>
@@ -1680,7 +1683,7 @@
           <a:p>
             <a:fld id="{D0AF4A11-F739-4D74-8F30-05177898FDB2}" type="datetimeFigureOut">
               <a:rPr lang="en-US" smtClean="0"/>
-              <a:t>7/18/2023</a:t>
+              <a:t>7/20/2023</a:t>
             </a:fld>
             <a:endParaRPr lang="en-US"/>
           </a:p>
@@ -1821,7 +1824,7 @@
           <a:p>
             <a:fld id="{D0AF4A11-F739-4D74-8F30-05177898FDB2}" type="datetimeFigureOut">
               <a:rPr lang="en-US" smtClean="0"/>
-              <a:t>7/18/2023</a:t>
+              <a:t>7/20/2023</a:t>
             </a:fld>
             <a:endParaRPr lang="en-US"/>
           </a:p>
@@ -1916,7 +1919,7 @@
           <a:p>
             <a:fld id="{D0AF4A11-F739-4D74-8F30-05177898FDB2}" type="datetimeFigureOut">
               <a:rPr lang="en-US" smtClean="0"/>
-              <a:t>7/18/2023</a:t>
+              <a:t>7/20/2023</a:t>
             </a:fld>
             <a:endParaRPr lang="en-US"/>
           </a:p>
@@ -2273,7 +2276,7 @@
           <a:p>
             <a:fld id="{D0AF4A11-F739-4D74-8F30-05177898FDB2}" type="datetimeFigureOut">
               <a:rPr lang="en-US" smtClean="0"/>
-              <a:t>7/18/2023</a:t>
+              <a:t>7/20/2023</a:t>
             </a:fld>
             <a:endParaRPr lang="en-US"/>
           </a:p>
@@ -2630,7 +2633,7 @@
           <a:p>
             <a:fld id="{D0AF4A11-F739-4D74-8F30-05177898FDB2}" type="datetimeFigureOut">
               <a:rPr lang="en-US" smtClean="0"/>
-              <a:t>7/18/2023</a:t>
+              <a:t>7/20/2023</a:t>
             </a:fld>
             <a:endParaRPr lang="en-US"/>
           </a:p>
@@ -2872,7 +2875,7 @@
           <a:p>
             <a:fld id="{D0AF4A11-F739-4D74-8F30-05177898FDB2}" type="datetimeFigureOut">
               <a:rPr lang="en-US" smtClean="0"/>
-              <a:t>7/18/2023</a:t>
+              <a:t>7/20/2023</a:t>
             </a:fld>
             <a:endParaRPr lang="en-US"/>
           </a:p>
@@ -4397,31 +4400,31 @@
               <a:buNone/>
             </a:pPr>
             <a:r>
+              <a:rPr lang="en-US" sz="1800" i="0" u="none" strike="noStrike" baseline="0" dirty="0" err="1">
+                <a:solidFill>
+                  <a:schemeClr val="tx2"/>
+                </a:solidFill>
+                <a:latin typeface="CourierNewPS-BoldMT"/>
+              </a:rPr>
+              <a:t>experiencePoints</a:t>
+            </a:r>
+            <a:r>
+              <a:rPr lang="en-US" dirty="0">
+                <a:solidFill>
+                  <a:schemeClr val="tx2"/>
+                </a:solidFill>
+                <a:latin typeface="CourierNewPS-BoldMT"/>
+              </a:rPr>
+              <a:t> </a:t>
+            </a:r>
+            <a:r>
               <a:rPr lang="en-US" sz="1800" i="0" u="none" strike="noStrike" baseline="0" dirty="0">
                 <a:solidFill>
                   <a:schemeClr val="tx2"/>
                 </a:solidFill>
                 <a:latin typeface="CourierNewPS-BoldMT"/>
               </a:rPr>
-              <a:t>var </a:t>
-            </a:r>
-            <a:r>
-              <a:rPr lang="en-US" sz="1800" i="0" u="none" strike="noStrike" baseline="0" dirty="0" err="1">
-                <a:solidFill>
-                  <a:schemeClr val="tx2"/>
-                </a:solidFill>
-                <a:latin typeface="CourierNewPS-BoldMT"/>
-              </a:rPr>
-              <a:t>experiencePoints</a:t>
-            </a:r>
-            <a:r>
-              <a:rPr lang="en-US" sz="1800" i="0" u="none" strike="noStrike" baseline="0" dirty="0">
-                <a:solidFill>
-                  <a:schemeClr val="tx2"/>
-                </a:solidFill>
-                <a:latin typeface="CourierNewPS-BoldMT"/>
-              </a:rPr>
-              <a:t>: Int = "thirty-two"</a:t>
+              <a:t>= "thirty-two"</a:t>
             </a:r>
           </a:p>
           <a:p>
